--- a/reports/5 - final/figure/archiGlasir.pptx
+++ b/reports/5 - final/figure/archiGlasir.pptx
@@ -106,7 +106,7 @@
   </p:defaultTextStyle>
   <p:extLst>
     <p:ext uri="{EFAFB233-063F-42B5-8137-9DF3F51BA10A}">
-      <p15:sldGuideLst xmlns:p15="http://schemas.microsoft.com/office/powerpoint/2012/main" xmlns="">
+      <p15:sldGuideLst xmlns="" xmlns:p15="http://schemas.microsoft.com/office/powerpoint/2012/main">
         <p15:guide id="1" orient="horz" pos="2160">
           <p15:clr>
             <a:srgbClr val="A4A3A4"/>
@@ -305,7 +305,7 @@
             <a:fld id="{852427A1-C337-4DDD-896B-1C956F96B39C}" type="datetimeFigureOut">
               <a:rPr lang="fr-FR" smtClean="0"/>
               <a:pPr/>
-              <a:t>18/05/2015</a:t>
+              <a:t>20/05/2015</a:t>
             </a:fld>
             <a:endParaRPr lang="fr-FR"/>
           </a:p>
@@ -472,7 +472,7 @@
             <a:fld id="{852427A1-C337-4DDD-896B-1C956F96B39C}" type="datetimeFigureOut">
               <a:rPr lang="fr-FR" smtClean="0"/>
               <a:pPr/>
-              <a:t>18/05/2015</a:t>
+              <a:t>20/05/2015</a:t>
             </a:fld>
             <a:endParaRPr lang="fr-FR"/>
           </a:p>
@@ -649,7 +649,7 @@
             <a:fld id="{852427A1-C337-4DDD-896B-1C956F96B39C}" type="datetimeFigureOut">
               <a:rPr lang="fr-FR" smtClean="0"/>
               <a:pPr/>
-              <a:t>18/05/2015</a:t>
+              <a:t>20/05/2015</a:t>
             </a:fld>
             <a:endParaRPr lang="fr-FR"/>
           </a:p>
@@ -816,7 +816,7 @@
             <a:fld id="{852427A1-C337-4DDD-896B-1C956F96B39C}" type="datetimeFigureOut">
               <a:rPr lang="fr-FR" smtClean="0"/>
               <a:pPr/>
-              <a:t>18/05/2015</a:t>
+              <a:t>20/05/2015</a:t>
             </a:fld>
             <a:endParaRPr lang="fr-FR"/>
           </a:p>
@@ -1059,7 +1059,7 @@
             <a:fld id="{852427A1-C337-4DDD-896B-1C956F96B39C}" type="datetimeFigureOut">
               <a:rPr lang="fr-FR" smtClean="0"/>
               <a:pPr/>
-              <a:t>18/05/2015</a:t>
+              <a:t>20/05/2015</a:t>
             </a:fld>
             <a:endParaRPr lang="fr-FR"/>
           </a:p>
@@ -1344,7 +1344,7 @@
             <a:fld id="{852427A1-C337-4DDD-896B-1C956F96B39C}" type="datetimeFigureOut">
               <a:rPr lang="fr-FR" smtClean="0"/>
               <a:pPr/>
-              <a:t>18/05/2015</a:t>
+              <a:t>20/05/2015</a:t>
             </a:fld>
             <a:endParaRPr lang="fr-FR"/>
           </a:p>
@@ -1763,7 +1763,7 @@
             <a:fld id="{852427A1-C337-4DDD-896B-1C956F96B39C}" type="datetimeFigureOut">
               <a:rPr lang="fr-FR" smtClean="0"/>
               <a:pPr/>
-              <a:t>18/05/2015</a:t>
+              <a:t>20/05/2015</a:t>
             </a:fld>
             <a:endParaRPr lang="fr-FR"/>
           </a:p>
@@ -1878,7 +1878,7 @@
             <a:fld id="{852427A1-C337-4DDD-896B-1C956F96B39C}" type="datetimeFigureOut">
               <a:rPr lang="fr-FR" smtClean="0"/>
               <a:pPr/>
-              <a:t>18/05/2015</a:t>
+              <a:t>20/05/2015</a:t>
             </a:fld>
             <a:endParaRPr lang="fr-FR"/>
           </a:p>
@@ -1970,7 +1970,7 @@
             <a:fld id="{852427A1-C337-4DDD-896B-1C956F96B39C}" type="datetimeFigureOut">
               <a:rPr lang="fr-FR" smtClean="0"/>
               <a:pPr/>
-              <a:t>18/05/2015</a:t>
+              <a:t>20/05/2015</a:t>
             </a:fld>
             <a:endParaRPr lang="fr-FR"/>
           </a:p>
@@ -2244,7 +2244,7 @@
             <a:fld id="{852427A1-C337-4DDD-896B-1C956F96B39C}" type="datetimeFigureOut">
               <a:rPr lang="fr-FR" smtClean="0"/>
               <a:pPr/>
-              <a:t>18/05/2015</a:t>
+              <a:t>20/05/2015</a:t>
             </a:fld>
             <a:endParaRPr lang="fr-FR"/>
           </a:p>
@@ -2494,7 +2494,7 @@
             <a:fld id="{852427A1-C337-4DDD-896B-1C956F96B39C}" type="datetimeFigureOut">
               <a:rPr lang="fr-FR" smtClean="0"/>
               <a:pPr/>
-              <a:t>18/05/2015</a:t>
+              <a:t>20/05/2015</a:t>
             </a:fld>
             <a:endParaRPr lang="fr-FR"/>
           </a:p>
@@ -2704,7 +2704,7 @@
             <a:fld id="{852427A1-C337-4DDD-896B-1C956F96B39C}" type="datetimeFigureOut">
               <a:rPr lang="fr-FR" smtClean="0"/>
               <a:pPr/>
-              <a:t>18/05/2015</a:t>
+              <a:t>20/05/2015</a:t>
             </a:fld>
             <a:endParaRPr lang="fr-FR"/>
           </a:p>
@@ -3083,7 +3083,7 @@
         </p:nvSpPr>
         <p:spPr>
           <a:xfrm>
-            <a:off x="611560" y="908720"/>
+            <a:off x="611560" y="836712"/>
             <a:ext cx="2088232" cy="1200329"/>
           </a:xfrm>
           <a:prstGeom prst="rect">
@@ -3138,7 +3138,6 @@
               <a:rPr lang="fr-FR" b="1" smtClean="0"/>
               <a:t>(viewmode)</a:t>
             </a:r>
-            <a:endParaRPr lang="fr-FR" b="1" smtClean="0"/>
           </a:p>
           <a:p>
             <a:pPr algn="ctr"/>
@@ -3480,7 +3479,15 @@
               <a:pPr algn="ctr"/>
               <a:r>
                 <a:rPr lang="fr-FR" b="1" dirty="0" smtClean="0"/>
-                <a:t>Editeur de fonctions</a:t>
+                <a:t>É</a:t>
+              </a:r>
+              <a:r>
+                <a:rPr lang="fr-FR" b="1" smtClean="0"/>
+                <a:t>diteur </a:t>
+              </a:r>
+              <a:r>
+                <a:rPr lang="fr-FR" b="1" dirty="0" smtClean="0"/>
+                <a:t>de fonctions</a:t>
               </a:r>
             </a:p>
           </p:txBody>
@@ -3701,45 +3708,6 @@
       </p:grpSp>
       <p:cxnSp>
         <p:nvCxnSpPr>
-          <p:cNvPr id="53" name="Forme 52"/>
-          <p:cNvCxnSpPr>
-            <a:stCxn id="18" idx="1"/>
-            <a:endCxn id="5" idx="3"/>
-          </p:cNvCxnSpPr>
-          <p:nvPr/>
-        </p:nvCxnSpPr>
-        <p:spPr>
-          <a:xfrm rot="10800000">
-            <a:off x="2699792" y="1508885"/>
-            <a:ext cx="2664296" cy="3173868"/>
-          </a:xfrm>
-          <a:prstGeom prst="bentConnector3">
-            <a:avLst>
-              <a:gd name="adj1" fmla="val 68246"/>
-            </a:avLst>
-          </a:prstGeom>
-          <a:ln>
-            <a:tailEnd type="arrow"/>
-          </a:ln>
-          <a:effectLst/>
-        </p:spPr>
-        <p:style>
-          <a:lnRef idx="3">
-            <a:schemeClr val="dk1"/>
-          </a:lnRef>
-          <a:fillRef idx="0">
-            <a:schemeClr val="dk1"/>
-          </a:fillRef>
-          <a:effectRef idx="2">
-            <a:schemeClr val="dk1"/>
-          </a:effectRef>
-          <a:fontRef idx="minor">
-            <a:schemeClr val="tx1"/>
-          </a:fontRef>
-        </p:style>
-      </p:cxnSp>
-      <p:cxnSp>
-        <p:nvCxnSpPr>
           <p:cNvPr id="62" name="Connecteur en angle 61"/>
           <p:cNvCxnSpPr>
             <a:stCxn id="22" idx="3"/>
@@ -4056,6 +4024,167 @@
           </a:p>
         </p:txBody>
       </p:sp>
+      <p:cxnSp>
+        <p:nvCxnSpPr>
+          <p:cNvPr id="27" name="Connecteur droit avec flèche 26"/>
+          <p:cNvCxnSpPr/>
+          <p:nvPr/>
+        </p:nvCxnSpPr>
+        <p:spPr>
+          <a:xfrm flipH="1">
+            <a:off x="2699792" y="1124744"/>
+            <a:ext cx="2376264" cy="0"/>
+          </a:xfrm>
+          <a:prstGeom prst="straightConnector1">
+            <a:avLst/>
+          </a:prstGeom>
+          <a:ln>
+            <a:tailEnd type="arrow"/>
+          </a:ln>
+          <a:effectLst/>
+        </p:spPr>
+        <p:style>
+          <a:lnRef idx="3">
+            <a:schemeClr val="dk1"/>
+          </a:lnRef>
+          <a:fillRef idx="0">
+            <a:schemeClr val="dk1"/>
+          </a:fillRef>
+          <a:effectRef idx="2">
+            <a:schemeClr val="dk1"/>
+          </a:effectRef>
+          <a:fontRef idx="minor">
+            <a:schemeClr val="tx1"/>
+          </a:fontRef>
+        </p:style>
+      </p:cxnSp>
+      <p:sp>
+        <p:nvSpPr>
+          <p:cNvPr id="28" name="ZoneTexte 27"/>
+          <p:cNvSpPr txBox="1"/>
+          <p:nvPr/>
+        </p:nvSpPr>
+        <p:spPr>
+          <a:xfrm>
+            <a:off x="3779912" y="692696"/>
+            <a:ext cx="1080120" cy="369332"/>
+          </a:xfrm>
+          <a:prstGeom prst="rect">
+            <a:avLst/>
+          </a:prstGeom>
+          <a:noFill/>
+        </p:spPr>
+        <p:txBody>
+          <a:bodyPr wrap="square" rtlCol="0">
+            <a:spAutoFit/>
+          </a:bodyPr>
+          <a:lstStyle/>
+          <a:p>
+            <a:pPr algn="ctr"/>
+            <a:r>
+              <a:rPr lang="fr-FR" smtClean="0"/>
+              <a:t>Lance</a:t>
+            </a:r>
+            <a:endParaRPr lang="fr-FR"/>
+          </a:p>
+        </p:txBody>
+      </p:sp>
+      <p:cxnSp>
+        <p:nvCxnSpPr>
+          <p:cNvPr id="50" name="Connecteur droit 49"/>
+          <p:cNvCxnSpPr/>
+          <p:nvPr/>
+        </p:nvCxnSpPr>
+        <p:spPr>
+          <a:xfrm flipH="1">
+            <a:off x="3635896" y="4725144"/>
+            <a:ext cx="1728192" cy="0"/>
+          </a:xfrm>
+          <a:prstGeom prst="line">
+            <a:avLst/>
+          </a:prstGeom>
+          <a:effectLst/>
+        </p:spPr>
+        <p:style>
+          <a:lnRef idx="3">
+            <a:schemeClr val="dk1"/>
+          </a:lnRef>
+          <a:fillRef idx="0">
+            <a:schemeClr val="dk1"/>
+          </a:fillRef>
+          <a:effectRef idx="2">
+            <a:schemeClr val="dk1"/>
+          </a:effectRef>
+          <a:fontRef idx="minor">
+            <a:schemeClr val="tx1"/>
+          </a:fontRef>
+        </p:style>
+      </p:cxnSp>
+      <p:cxnSp>
+        <p:nvCxnSpPr>
+          <p:cNvPr id="52" name="Connecteur droit 51"/>
+          <p:cNvCxnSpPr/>
+          <p:nvPr/>
+        </p:nvCxnSpPr>
+        <p:spPr>
+          <a:xfrm>
+            <a:off x="3635896" y="1772816"/>
+            <a:ext cx="0" cy="2952328"/>
+          </a:xfrm>
+          <a:prstGeom prst="line">
+            <a:avLst/>
+          </a:prstGeom>
+          <a:effectLst/>
+        </p:spPr>
+        <p:style>
+          <a:lnRef idx="3">
+            <a:schemeClr val="dk1"/>
+          </a:lnRef>
+          <a:fillRef idx="0">
+            <a:schemeClr val="dk1"/>
+          </a:fillRef>
+          <a:effectRef idx="2">
+            <a:schemeClr val="dk1"/>
+          </a:effectRef>
+          <a:fontRef idx="minor">
+            <a:schemeClr val="tx1"/>
+          </a:fontRef>
+        </p:style>
+      </p:cxnSp>
+      <p:cxnSp>
+        <p:nvCxnSpPr>
+          <p:cNvPr id="58" name="Connecteur droit avec flèche 57"/>
+          <p:cNvCxnSpPr/>
+          <p:nvPr/>
+        </p:nvCxnSpPr>
+        <p:spPr>
+          <a:xfrm flipH="1">
+            <a:off x="2699792" y="1772816"/>
+            <a:ext cx="936104" cy="0"/>
+          </a:xfrm>
+          <a:prstGeom prst="straightConnector1">
+            <a:avLst/>
+          </a:prstGeom>
+          <a:ln>
+            <a:tailEnd type="arrow"/>
+          </a:ln>
+          <a:effectLst/>
+        </p:spPr>
+        <p:style>
+          <a:lnRef idx="3">
+            <a:schemeClr val="dk1"/>
+          </a:lnRef>
+          <a:fillRef idx="0">
+            <a:schemeClr val="dk1"/>
+          </a:fillRef>
+          <a:effectRef idx="2">
+            <a:schemeClr val="dk1"/>
+          </a:effectRef>
+          <a:fontRef idx="minor">
+            <a:schemeClr val="tx1"/>
+          </a:fontRef>
+        </p:style>
+      </p:cxnSp>
     </p:spTree>
   </p:cSld>
   <p:clrMapOvr>
